--- a/USE THIS ONE AdversarialBiasPoster.pptx
+++ b/USE THIS ONE AdversarialBiasPoster.pptx
@@ -235,7 +235,7 @@
             <a:pPr>
               <a:defRPr/>
             </a:pPr>
-            <a:endParaRPr lang="en-US"/>
+            <a:endParaRPr lang="en-US" dirty="0"/>
           </a:p>
         </p:txBody>
       </p:sp>
@@ -290,7 +290,7 @@
             <a:pPr>
               <a:defRPr/>
             </a:pPr>
-            <a:endParaRPr lang="en-US"/>
+            <a:endParaRPr lang="en-US" dirty="0"/>
           </a:p>
         </p:txBody>
       </p:sp>
@@ -345,7 +345,7 @@
             <a:pPr>
               <a:defRPr/>
             </a:pPr>
-            <a:endParaRPr lang="en-US"/>
+            <a:endParaRPr lang="en-US" dirty="0"/>
           </a:p>
         </p:txBody>
       </p:sp>
@@ -404,11 +404,16 @@
               </a:pPr>
               <a:t>‹#›</a:t>
             </a:fld>
-            <a:endParaRPr lang="en-US" altLang="en-US"/>
+            <a:endParaRPr lang="en-US" altLang="en-US" dirty="0"/>
           </a:p>
         </p:txBody>
       </p:sp>
     </p:spTree>
+    <p:extLst>
+      <p:ext uri="{BB962C8B-B14F-4D97-AF65-F5344CB8AC3E}">
+        <p14:creationId xmlns:p14="http://schemas.microsoft.com/office/powerpoint/2010/main" val="1"/>
+      </p:ext>
+    </p:extLst>
   </p:cSld>
   <p:clrMap bg1="lt1" tx1="dk1" bg2="lt2" tx2="dk2" accent1="accent1" accent2="accent2" accent3="accent3" accent4="accent4" accent5="accent5" accent6="accent6" hlink="hlink" folHlink="folHlink"/>
 </p:handoutMaster>
@@ -490,7 +495,7 @@
             <a:pPr>
               <a:defRPr/>
             </a:pPr>
-            <a:endParaRPr lang="en-US"/>
+            <a:endParaRPr lang="en-US" dirty="0"/>
           </a:p>
         </p:txBody>
       </p:sp>
@@ -545,7 +550,7 @@
             <a:pPr>
               <a:defRPr/>
             </a:pPr>
-            <a:endParaRPr lang="en-US"/>
+            <a:endParaRPr lang="en-US" dirty="0"/>
           </a:p>
         </p:txBody>
       </p:sp>
@@ -600,7 +605,7 @@
             <a:pPr>
               <a:defRPr/>
             </a:pPr>
-            <a:endParaRPr lang="en-US"/>
+            <a:endParaRPr lang="en-US" dirty="0"/>
           </a:p>
         </p:txBody>
       </p:sp>
@@ -659,7 +664,7 @@
               </a:pPr>
               <a:t>‹#›</a:t>
             </a:fld>
-            <a:endParaRPr lang="en-US" altLang="en-US"/>
+            <a:endParaRPr lang="en-US" altLang="en-US" dirty="0"/>
           </a:p>
         </p:txBody>
       </p:sp>
@@ -750,7 +755,7 @@
             </a:extLst>
           </p:cNvPr>
           <p:cNvSpPr>
-            <a:spLocks noChangeArrowheads="1" noTextEdit="1"/>
+            <a:spLocks noGrp="1" noRot="1" noChangeAspect="1" noChangeArrowheads="1" noTextEdit="1"/>
           </p:cNvSpPr>
           <p:nvPr>
             <p:ph type="sldImg" idx="2"/>
@@ -1107,7 +1112,7 @@
               </a:pPr>
               <a:t>1</a:t>
             </a:fld>
-            <a:endParaRPr lang="en-US" altLang="en-US" sz="1000"/>
+            <a:endParaRPr lang="en-US" altLang="en-US" sz="1000" dirty="0"/>
           </a:p>
         </p:txBody>
       </p:sp>
@@ -1172,7 +1177,7 @@
             </a:extLst>
           </p:cNvPr>
           <p:cNvSpPr>
-            <a:spLocks noChangeArrowheads="1" noTextEdit="1"/>
+            <a:spLocks noGrp="1" noRot="1" noChangeAspect="1" noChangeArrowheads="1" noTextEdit="1"/>
           </p:cNvSpPr>
           <p:nvPr>
             <p:ph type="sldImg"/>
@@ -2812,7 +2817,7 @@
               <a:defRPr/>
             </a:pPr>
             <a:r>
-              <a:rPr lang="en-US" altLang="en-US" sz="1600" b="1">
+              <a:rPr lang="en-US" altLang="en-US" sz="1600" b="1" dirty="0">
                 <a:solidFill>
                   <a:srgbClr val="0257A1"/>
                 </a:solidFill>
@@ -2821,7 +2826,7 @@
               <a:t>DataScience</a:t>
             </a:r>
             <a:r>
-              <a:rPr lang="en-US" altLang="en-US" sz="1600" b="1">
+              <a:rPr lang="en-US" altLang="en-US" sz="1600" b="1" dirty="0">
                 <a:solidFill>
                   <a:srgbClr val="C00000"/>
                 </a:solidFill>
@@ -2830,7 +2835,7 @@
               <a:t>@</a:t>
             </a:r>
             <a:r>
-              <a:rPr lang="en-US" altLang="en-US" sz="1600" b="1">
+              <a:rPr lang="en-US" altLang="en-US" sz="1600" b="1" dirty="0">
                 <a:solidFill>
                   <a:srgbClr val="0257A1"/>
                 </a:solidFill>
@@ -3185,7 +3190,7 @@
           </a:lstStyle>
           <a:p>
             <a:pPr lvl="0"/>
-            <a:endParaRPr lang="en-US" noProof="0"/>
+            <a:endParaRPr lang="en-US" noProof="0" dirty="0"/>
           </a:p>
         </p:txBody>
       </p:sp>
@@ -3789,6 +3794,36 @@
           <a:chExt cx="0" cy="0"/>
         </a:xfrm>
       </p:grpSpPr>
+      <p:pic>
+        <p:nvPicPr>
+          <p:cNvPr id="62" name="Picture 61">
+            <a:extLst>
+              <a:ext uri="{FF2B5EF4-FFF2-40B4-BE49-F238E27FC236}">
+                <a16:creationId xmlns:a16="http://schemas.microsoft.com/office/drawing/2014/main" id="{E785620F-58AB-4B71-932A-71A30B18F594}"/>
+              </a:ext>
+            </a:extLst>
+          </p:cNvPr>
+          <p:cNvPicPr>
+            <a:picLocks noChangeAspect="1"/>
+          </p:cNvPicPr>
+          <p:nvPr/>
+        </p:nvPicPr>
+        <p:blipFill>
+          <a:blip r:embed="rId4"/>
+          <a:stretch>
+            <a:fillRect/>
+          </a:stretch>
+        </p:blipFill>
+        <p:spPr>
+          <a:xfrm>
+            <a:off x="368519" y="7137288"/>
+            <a:ext cx="2738744" cy="1991328"/>
+          </a:xfrm>
+          <a:prstGeom prst="rect">
+            <a:avLst/>
+          </a:prstGeom>
+        </p:spPr>
+      </p:pic>
       <p:graphicFrame>
         <p:nvGraphicFramePr>
           <p:cNvPr id="59" name="Table 5">
@@ -3804,7 +3839,7 @@
           <p:nvPr>
             <p:extLst>
               <p:ext uri="{D42A27DB-BD31-4B8C-83A1-F6EECF244321}">
-                <p14:modId xmlns:p14="http://schemas.microsoft.com/office/powerpoint/2010/main" val="1601722526"/>
+                <p14:modId xmlns:p14="http://schemas.microsoft.com/office/powerpoint/2010/main" val="2146741222"/>
               </p:ext>
             </p:extLst>
           </p:nvPr>
@@ -4234,7 +4269,10 @@
                     <a:bodyPr/>
                     <a:lstStyle/>
                     <a:p>
-                      <a:endParaRPr lang="en-US" dirty="0"/>
+                      <a:r>
+                        <a:rPr lang="en-US" dirty="0"/>
+                        <a:t>0.7575</a:t>
+                      </a:r>
                     </a:p>
                   </a:txBody>
                   <a:tcPr>
@@ -4251,7 +4289,10 @@
                     <a:bodyPr/>
                     <a:lstStyle/>
                     <a:p>
-                      <a:endParaRPr lang="en-US" dirty="0"/>
+                      <a:r>
+                        <a:rPr lang="en-US" dirty="0"/>
+                        <a:t>0.84</a:t>
+                      </a:r>
                     </a:p>
                   </a:txBody>
                   <a:tcPr>
@@ -4268,7 +4309,10 @@
                     <a:bodyPr/>
                     <a:lstStyle/>
                     <a:p>
-                      <a:endParaRPr lang="en-US" dirty="0"/>
+                      <a:r>
+                        <a:rPr lang="en-US" dirty="0"/>
+                        <a:t>0.8315</a:t>
+                      </a:r>
                     </a:p>
                   </a:txBody>
                   <a:tcPr>
@@ -4285,7 +4329,10 @@
                     <a:bodyPr/>
                     <a:lstStyle/>
                     <a:p>
-                      <a:endParaRPr lang="en-US" dirty="0"/>
+                      <a:r>
+                        <a:rPr lang="en-US" dirty="0"/>
+                        <a:t>0.9138</a:t>
+                      </a:r>
                     </a:p>
                   </a:txBody>
                   <a:tcPr>
@@ -4302,7 +4349,10 @@
                     <a:bodyPr/>
                     <a:lstStyle/>
                     <a:p>
-                      <a:endParaRPr lang="en-US" dirty="0"/>
+                      <a:r>
+                        <a:rPr lang="en-US" dirty="0"/>
+                        <a:t>0.9464</a:t>
+                      </a:r>
                     </a:p>
                   </a:txBody>
                   <a:tcPr>
@@ -4319,7 +4369,10 @@
                     <a:bodyPr/>
                     <a:lstStyle/>
                     <a:p>
-                      <a:endParaRPr lang="en-US" dirty="0"/>
+                      <a:r>
+                        <a:rPr lang="en-US" dirty="0"/>
+                        <a:t>0.8696</a:t>
+                      </a:r>
                     </a:p>
                   </a:txBody>
                   <a:tcPr>
@@ -4336,7 +4389,10 @@
                     <a:bodyPr/>
                     <a:lstStyle/>
                     <a:p>
-                      <a:endParaRPr lang="en-US" dirty="0"/>
+                      <a:r>
+                        <a:rPr lang="en-US" dirty="0"/>
+                        <a:t>0.7941</a:t>
+                      </a:r>
                     </a:p>
                   </a:txBody>
                   <a:tcPr>
@@ -4353,7 +4409,10 @@
                     <a:bodyPr/>
                     <a:lstStyle/>
                     <a:p>
-                      <a:endParaRPr lang="en-US" dirty="0"/>
+                      <a:r>
+                        <a:rPr lang="en-US" dirty="0"/>
+                        <a:t>0.8587</a:t>
+                      </a:r>
                     </a:p>
                   </a:txBody>
                   <a:tcPr>
@@ -4424,7 +4483,10 @@
                     <a:bodyPr/>
                     <a:lstStyle/>
                     <a:p>
-                      <a:endParaRPr lang="en-US" dirty="0"/>
+                      <a:r>
+                        <a:rPr lang="en-US" dirty="0"/>
+                        <a:t>0.6970</a:t>
+                      </a:r>
                     </a:p>
                   </a:txBody>
                   <a:tcPr>
@@ -4448,7 +4510,10 @@
                     <a:bodyPr/>
                     <a:lstStyle/>
                     <a:p>
-                      <a:endParaRPr lang="en-US" dirty="0"/>
+                      <a:r>
+                        <a:rPr lang="en-US" dirty="0"/>
+                        <a:t>0.8</a:t>
+                      </a:r>
                     </a:p>
                   </a:txBody>
                   <a:tcPr>
@@ -4472,7 +4537,10 @@
                     <a:bodyPr/>
                     <a:lstStyle/>
                     <a:p>
-                      <a:endParaRPr lang="en-US" dirty="0"/>
+                      <a:r>
+                        <a:rPr lang="en-US" dirty="0"/>
+                        <a:t>0.8315</a:t>
+                      </a:r>
                     </a:p>
                   </a:txBody>
                   <a:tcPr>
@@ -4496,7 +4564,10 @@
                     <a:bodyPr/>
                     <a:lstStyle/>
                     <a:p>
-                      <a:endParaRPr lang="en-US" dirty="0"/>
+                      <a:r>
+                        <a:rPr lang="en-US" dirty="0"/>
+                        <a:t>0.8966</a:t>
+                      </a:r>
                     </a:p>
                   </a:txBody>
                   <a:tcPr>
@@ -4520,7 +4591,10 @@
                     <a:bodyPr/>
                     <a:lstStyle/>
                     <a:p>
-                      <a:endParaRPr lang="en-US" dirty="0"/>
+                      <a:r>
+                        <a:rPr lang="en-US" dirty="0"/>
+                        <a:t>0.8929</a:t>
+                      </a:r>
                     </a:p>
                   </a:txBody>
                   <a:tcPr>
@@ -4544,7 +4618,10 @@
                     <a:bodyPr/>
                     <a:lstStyle/>
                     <a:p>
-                      <a:endParaRPr lang="en-US" dirty="0"/>
+                      <a:r>
+                        <a:rPr lang="en-US" dirty="0"/>
+                        <a:t>0.9130</a:t>
+                      </a:r>
                     </a:p>
                   </a:txBody>
                   <a:tcPr>
@@ -4568,7 +4645,10 @@
                     <a:bodyPr/>
                     <a:lstStyle/>
                     <a:p>
-                      <a:endParaRPr lang="en-US" dirty="0"/>
+                      <a:r>
+                        <a:rPr lang="en-US" dirty="0"/>
+                        <a:t>0.7941</a:t>
+                      </a:r>
                     </a:p>
                   </a:txBody>
                   <a:tcPr>
@@ -4592,7 +4672,10 @@
                     <a:bodyPr/>
                     <a:lstStyle/>
                     <a:p>
-                      <a:endParaRPr lang="en-US" dirty="0"/>
+                      <a:r>
+                        <a:rPr lang="en-US" dirty="0"/>
+                        <a:t>0.8315</a:t>
+                      </a:r>
                     </a:p>
                   </a:txBody>
                   <a:tcPr>
@@ -4859,7 +4942,7 @@
               <a:rPr lang="en-US" altLang="en-US" sz="1200" dirty="0">
                 <a:latin typeface="Arial" panose="020B0604020202020204" pitchFamily="34" charset="0"/>
               </a:rPr>
-              <a:t>Other Comment, Counts</a:t>
+              <a:t>Attrition: 84% NO / 16% YES</a:t>
             </a:r>
           </a:p>
           <a:p>
@@ -4875,7 +4958,23 @@
               <a:rPr lang="en-US" altLang="en-US" sz="1200" dirty="0">
                 <a:latin typeface="Arial" panose="020B0604020202020204" pitchFamily="34" charset="0"/>
               </a:rPr>
-              <a:t>Another Statement Will Fit</a:t>
+              <a:t>Age binned in 5-year ranges</a:t>
+            </a:r>
+          </a:p>
+          <a:p>
+            <a:pPr marL="0" indent="0" algn="ctr">
+              <a:lnSpc>
+                <a:spcPts val="1375"/>
+              </a:lnSpc>
+              <a:spcBef>
+                <a:spcPct val="30000"/>
+              </a:spcBef>
+            </a:pPr>
+            <a:r>
+              <a:rPr lang="en-US" altLang="en-US" sz="1200" dirty="0">
+                <a:latin typeface="Arial" panose="020B0604020202020204" pitchFamily="34" charset="0"/>
+              </a:rPr>
+              <a:t>More attrition &lt;= age 35</a:t>
             </a:r>
           </a:p>
           <a:p>
@@ -4915,12 +5014,12 @@
           <a:graphicData uri="http://schemas.openxmlformats.org/presentationml/2006/ole">
             <mc:AlternateContent xmlns:mc="http://schemas.openxmlformats.org/markup-compatibility/2006">
               <mc:Choice xmlns:v="urn:schemas-microsoft-com:vml" Requires="v">
-                <p:oleObj spid="_x0000_s5163" name="Clip" r:id="rId4" imgW="20457143" imgH="13384127" progId="MS_ClipArt_Gallery.2">
+                <p:oleObj spid="_x0000_s5172" name="Clip" r:id="rId5" imgW="20457143" imgH="13384127" progId="MS_ClipArt_Gallery.2">
                   <p:embed/>
                 </p:oleObj>
               </mc:Choice>
               <mc:Fallback>
-                <p:oleObj name="Clip" r:id="rId4" imgW="20457143" imgH="13384127" progId="MS_ClipArt_Gallery.2">
+                <p:oleObj name="Clip" r:id="rId5" imgW="20457143" imgH="13384127" progId="MS_ClipArt_Gallery.2">
                   <p:embed/>
                   <p:pic>
                     <p:nvPicPr>
@@ -4931,7 +5030,7 @@
                       <p:nvPr/>
                     </p:nvPicPr>
                     <p:blipFill>
-                      <a:blip r:embed="rId5">
+                      <a:blip r:embed="rId6">
                         <a:lum bright="88000" contrast="-34000"/>
                         <a:extLst>
                           <a:ext uri="{28A0092B-C50C-407E-A947-70E740481C1C}">
@@ -5380,7 +5479,7 @@
                 <a:spcPct val="30000"/>
               </a:spcBef>
             </a:pPr>
-            <a:endParaRPr lang="en-US" altLang="en-US">
+            <a:endParaRPr lang="en-US" altLang="en-US" dirty="0">
               <a:latin typeface="Arial" panose="020B0604020202020204" pitchFamily="34" charset="0"/>
             </a:endParaRPr>
           </a:p>
@@ -5556,7 +5655,7 @@
               <a:rPr lang="en-US" altLang="en-US" sz="1200" b="1" dirty="0">
                 <a:latin typeface="Arial" panose="020B0604020202020204" pitchFamily="34" charset="0"/>
               </a:rPr>
-              <a:t>While your poster follows your paper, it does not have to have the same sectioned titles </a:t>
+              <a:t>Adversarial learning can be leveraged to mitigate bias and unfairness.</a:t>
             </a:r>
           </a:p>
           <a:p>
@@ -5574,7 +5673,7 @@
               <a:rPr lang="en-US" altLang="en-US" sz="1200" b="1" dirty="0">
                 <a:latin typeface="Arial" panose="020B0604020202020204" pitchFamily="34" charset="0"/>
               </a:rPr>
-              <a:t>Your poster has main topics, but does not typically contain a “related work” section</a:t>
+              <a:t>Competing models of GAN, where Predictor (P) tries hinder Discriminator (D) with fake data, while feedback from D tries to hinder P prediction ability. </a:t>
             </a:r>
           </a:p>
           <a:p>
@@ -5592,7 +5691,7 @@
               <a:rPr lang="en-US" altLang="en-US" sz="1200" b="1" dirty="0">
                 <a:latin typeface="Arial" panose="020B0604020202020204" pitchFamily="34" charset="0"/>
               </a:rPr>
-              <a:t>Your results look good as figures and tables intermixed into the center column</a:t>
+              <a:t>Our study: P -- predict employee prediction; D -- predict age. </a:t>
             </a:r>
           </a:p>
           <a:p>
@@ -5610,7 +5709,19 @@
               <a:rPr lang="en-US" altLang="en-US" sz="1200" b="1" dirty="0">
                 <a:latin typeface="Arial" panose="020B0604020202020204" pitchFamily="34" charset="0"/>
               </a:rPr>
-              <a:t>Few more statements </a:t>
+              <a:t>Goal: improve group fairness via demographic parity (DP) (all equally likely of positive outcome </a:t>
+            </a:r>
+            <a:r>
+              <a:rPr lang="en-US" altLang="en-US" sz="1200" dirty="0">
+                <a:latin typeface="Arial" panose="020B0604020202020204" pitchFamily="34" charset="0"/>
+              </a:rPr>
+              <a:t>(TP + FP)</a:t>
+            </a:r>
+            <a:r>
+              <a:rPr lang="en-US" altLang="en-US" sz="1200" b="1" dirty="0">
+                <a:latin typeface="Arial" panose="020B0604020202020204" pitchFamily="34" charset="0"/>
+              </a:rPr>
+              <a:t>).</a:t>
             </a:r>
           </a:p>
           <a:p>
@@ -5624,12 +5735,9 @@
               <a:buFontTx/>
               <a:buChar char="•"/>
             </a:pPr>
-            <a:r>
-              <a:rPr lang="en-US" altLang="en-US" sz="1200" b="1" dirty="0">
-                <a:latin typeface="Arial" panose="020B0604020202020204" pitchFamily="34" charset="0"/>
-              </a:rPr>
-              <a:t>What else to day</a:t>
-            </a:r>
+            <a:endParaRPr lang="en-US" altLang="en-US" sz="1200" b="1" dirty="0">
+              <a:latin typeface="Arial" panose="020B0604020202020204" pitchFamily="34" charset="0"/>
+            </a:endParaRPr>
           </a:p>
         </p:txBody>
       </p:sp>
@@ -5785,7 +5893,7 @@
           </a:lstStyle>
           <a:p>
             <a:pPr eaLnBrk="1" hangingPunct="1"/>
-            <a:endParaRPr lang="en-US" altLang="en-US"/>
+            <a:endParaRPr lang="en-US" altLang="en-US" dirty="0"/>
           </a:p>
         </p:txBody>
       </p:sp>
@@ -6106,7 +6214,7 @@
           </a:lstStyle>
           <a:p>
             <a:pPr eaLnBrk="1" hangingPunct="1"/>
-            <a:endParaRPr lang="en-US" altLang="en-US"/>
+            <a:endParaRPr lang="en-US" altLang="en-US" dirty="0"/>
           </a:p>
         </p:txBody>
       </p:sp>
@@ -6281,8 +6389,8 @@
           </a:p>
         </p:txBody>
       </p:sp>
-      <mc:AlternateContent xmlns:mc="http://schemas.openxmlformats.org/markup-compatibility/2006">
-        <mc:Choice xmlns:a14="http://schemas.microsoft.com/office/drawing/2010/main" Requires="a14">
+      <mc:AlternateContent xmlns:mc="http://schemas.openxmlformats.org/markup-compatibility/2006" xmlns:a14="http://schemas.microsoft.com/office/drawing/2010/main">
+        <mc:Choice Requires="a14">
           <p:sp>
             <p:nvSpPr>
               <p:cNvPr id="5132" name="Rectangle 472">
@@ -7835,7 +7943,7 @@
             </p:txBody>
           </p:sp>
         </mc:Choice>
-        <mc:Fallback>
+        <mc:Fallback xmlns="">
           <p:sp>
             <p:nvSpPr>
               <p:cNvPr id="5132" name="Rectangle 472">
@@ -7859,7 +7967,7 @@
                 <a:avLst/>
               </a:prstGeom>
               <a:blipFill>
-                <a:blip r:embed="rId6"/>
+                <a:blip r:embed="rId7"/>
                 <a:stretch>
                   <a:fillRect b="-23052"/>
                 </a:stretch>
@@ -8054,7 +8162,7 @@
           </a:lstStyle>
           <a:p>
             <a:pPr eaLnBrk="1" hangingPunct="1"/>
-            <a:endParaRPr lang="en-US" altLang="en-US"/>
+            <a:endParaRPr lang="en-US" altLang="en-US" dirty="0"/>
           </a:p>
         </p:txBody>
       </p:sp>
@@ -8075,7 +8183,7 @@
         <p:spPr bwMode="auto">
           <a:xfrm>
             <a:off x="12580938" y="5626533"/>
-            <a:ext cx="1702388" cy="434094"/>
+            <a:ext cx="2016386" cy="711093"/>
           </a:xfrm>
           <a:prstGeom prst="rect">
             <a:avLst/>
@@ -8100,7 +8208,7 @@
           </a:extLst>
         </p:spPr>
         <p:txBody>
-          <a:bodyPr wrap="none" lIns="157162" tIns="77788" rIns="157162" bIns="77788">
+          <a:bodyPr wrap="square" lIns="157162" tIns="77788" rIns="157162" bIns="77788">
             <a:spAutoFit/>
           </a:bodyPr>
           <a:lstStyle>
@@ -8218,7 +8326,7 @@
                 </a:solidFill>
                 <a:latin typeface="Arial" panose="020B0604020202020204" pitchFamily="34" charset="0"/>
               </a:rPr>
-              <a:t>Conclusions</a:t>
+              <a:t>Conclusions / Future Work</a:t>
             </a:r>
           </a:p>
         </p:txBody>
@@ -8375,7 +8483,7 @@
           </a:lstStyle>
           <a:p>
             <a:pPr eaLnBrk="1" hangingPunct="1"/>
-            <a:endParaRPr lang="en-US" altLang="en-US"/>
+            <a:endParaRPr lang="en-US" altLang="en-US" dirty="0"/>
           </a:p>
         </p:txBody>
       </p:sp>
@@ -8533,7 +8641,7 @@
           </a:lstStyle>
           <a:p>
             <a:r>
-              <a:rPr lang="en-US" altLang="en-US" sz="1800" b="1">
+              <a:rPr lang="en-US" altLang="en-US" sz="1800" b="1" dirty="0">
                 <a:solidFill>
                   <a:srgbClr val="9E0700"/>
                 </a:solidFill>
@@ -8696,7 +8804,7 @@
           </a:lstStyle>
           <a:p>
             <a:pPr eaLnBrk="1" hangingPunct="1"/>
-            <a:endParaRPr lang="en-US" altLang="en-US"/>
+            <a:endParaRPr lang="en-US" altLang="en-US" dirty="0"/>
           </a:p>
         </p:txBody>
       </p:sp>
@@ -8881,8 +8989,8 @@
         </p:nvSpPr>
         <p:spPr bwMode="auto">
           <a:xfrm>
-            <a:off x="10770581" y="4342114"/>
-            <a:ext cx="4373796" cy="1357776"/>
+            <a:off x="10770581" y="4304013"/>
+            <a:ext cx="4373796" cy="1397406"/>
           </a:xfrm>
           <a:prstGeom prst="rect">
             <a:avLst/>
@@ -9035,13 +9143,13 @@
               <a:rPr lang="en-US" altLang="en-US" sz="1200" b="1" dirty="0">
                 <a:latin typeface="Arial" panose="020B0604020202020204" pitchFamily="34" charset="0"/>
               </a:rPr>
-              <a:t>Improved Demographic Parity</a:t>
+              <a:t>Improved DP</a:t>
             </a:r>
             <a:r>
               <a:rPr lang="en-US" altLang="en-US" sz="1200" dirty="0">
                 <a:latin typeface="Arial" panose="020B0604020202020204" pitchFamily="34" charset="0"/>
               </a:rPr>
-              <a:t>: Explain this here, what does this mean</a:t>
+              <a:t>: range Pre-GAN for all groups between  94-100%; Post-GAN range 98-100%.</a:t>
             </a:r>
           </a:p>
           <a:p>
@@ -9065,7 +9173,7 @@
               <a:rPr lang="en-US" altLang="en-US" sz="1200" dirty="0">
                 <a:latin typeface="Arial" panose="020B0604020202020204" pitchFamily="34" charset="0"/>
               </a:rPr>
-              <a:t>explain this here, show decline</a:t>
+              <a:t>accuracy decreased 2% but DP increased 6%. </a:t>
             </a:r>
             <a:endParaRPr lang="en-US" altLang="en-US" sz="1200" b="1" dirty="0">
               <a:latin typeface="Arial" panose="020B0604020202020204" pitchFamily="34" charset="0"/>
@@ -9086,13 +9194,13 @@
               <a:rPr lang="en-US" altLang="en-US" sz="1200" b="1" dirty="0">
                 <a:latin typeface="Arial" panose="020B0604020202020204" pitchFamily="34" charset="0"/>
               </a:rPr>
-              <a:t>What else</a:t>
+              <a:t>Demonstrate work beyond binary classes</a:t>
             </a:r>
             <a:r>
               <a:rPr lang="en-US" altLang="en-US" sz="1200" dirty="0">
                 <a:latin typeface="Arial" panose="020B0604020202020204" pitchFamily="34" charset="0"/>
               </a:rPr>
-              <a:t>: should go here, blah blah blah</a:t>
+              <a:t>: can work toward having more than one unprotected group.</a:t>
             </a:r>
             <a:endParaRPr lang="en-US" altLang="en-US" sz="1200" b="1" dirty="0">
               <a:latin typeface="Arial" panose="020B0604020202020204" pitchFamily="34" charset="0"/>
@@ -9149,7 +9257,7 @@
         </p:nvSpPr>
         <p:spPr bwMode="auto">
           <a:xfrm>
-            <a:off x="12490802" y="5932166"/>
+            <a:off x="12490802" y="6247598"/>
             <a:ext cx="2719035" cy="1878012"/>
           </a:xfrm>
           <a:prstGeom prst="rect">
@@ -9296,14 +9404,14 @@
               <a:spcBef>
                 <a:spcPct val="30000"/>
               </a:spcBef>
-              <a:buFontTx/>
+              <a:buFont typeface="Arial" panose="020B0604020202020204" pitchFamily="34" charset="0"/>
               <a:buChar char="•"/>
             </a:pPr>
             <a:r>
               <a:rPr lang="en-US" altLang="en-US" sz="1200" b="1" dirty="0">
                 <a:latin typeface="Arial" panose="020B0604020202020204" pitchFamily="34" charset="0"/>
               </a:rPr>
-              <a:t>This is not a very good story. </a:t>
+              <a:t>Bias must be addressed in advance and throughout – NOT as an afterthought.</a:t>
             </a:r>
           </a:p>
           <a:p>
@@ -9314,14 +9422,14 @@
               <a:spcBef>
                 <a:spcPct val="30000"/>
               </a:spcBef>
-              <a:buFontTx/>
+              <a:buFont typeface="Arial" panose="020B0604020202020204" pitchFamily="34" charset="0"/>
               <a:buChar char="•"/>
             </a:pPr>
             <a:r>
               <a:rPr lang="en-US" altLang="en-US" sz="1200" b="1" dirty="0">
                 <a:latin typeface="Arial" panose="020B0604020202020204" pitchFamily="34" charset="0"/>
               </a:rPr>
-              <a:t>Your goal is to make this pretty and informative. </a:t>
+              <a:t>Re-run study with larger, real dataset and/or pre-processed data that balances attrition % or sampled differently.</a:t>
             </a:r>
           </a:p>
           <a:p>
@@ -9332,14 +9440,14 @@
               <a:spcBef>
                 <a:spcPct val="30000"/>
               </a:spcBef>
-              <a:buFontTx/>
+              <a:buFont typeface="Arial" panose="020B0604020202020204" pitchFamily="34" charset="0"/>
               <a:buChar char="•"/>
             </a:pPr>
             <a:r>
               <a:rPr lang="en-US" altLang="en-US" sz="1200" b="1" dirty="0">
                 <a:latin typeface="Arial" panose="020B0604020202020204" pitchFamily="34" charset="0"/>
               </a:rPr>
-              <a:t>Tell your story and break some eggs, but just make sure you have accomplished the task of a poster.</a:t>
+              <a:t>Refine code with Early Stop, when the adversary has sufficiently mitigated bias and correlation is no longer detected in the adversarial model for Z(x), Age.</a:t>
             </a:r>
           </a:p>
           <a:p>
@@ -9350,135 +9458,15 @@
               <a:spcBef>
                 <a:spcPct val="30000"/>
               </a:spcBef>
-              <a:buFontTx/>
+              <a:buFont typeface="Arial" panose="020B0604020202020204" pitchFamily="34" charset="0"/>
               <a:buChar char="•"/>
             </a:pPr>
             <a:r>
               <a:rPr lang="en-US" altLang="en-US" sz="1200" b="1" dirty="0">
                 <a:latin typeface="Arial" panose="020B0604020202020204" pitchFamily="34" charset="0"/>
               </a:rPr>
-              <a:t>Blah blah blah </a:t>
+              <a:t>We CANNOT and MUST NOT replace the inquisitiveness, skepticism, mortal imagination and compassion that humans bring to bear to on ML.</a:t>
             </a:r>
-          </a:p>
-          <a:p>
-            <a:pPr>
-              <a:lnSpc>
-                <a:spcPct val="90000"/>
-              </a:lnSpc>
-              <a:spcBef>
-                <a:spcPct val="30000"/>
-              </a:spcBef>
-              <a:buFontTx/>
-              <a:buChar char="•"/>
-            </a:pPr>
-            <a:r>
-              <a:rPr lang="en-US" altLang="en-US" sz="1200" b="1" dirty="0">
-                <a:latin typeface="Arial" panose="020B0604020202020204" pitchFamily="34" charset="0"/>
-              </a:rPr>
-              <a:t>People matter</a:t>
-            </a:r>
-          </a:p>
-          <a:p>
-            <a:pPr>
-              <a:lnSpc>
-                <a:spcPct val="90000"/>
-              </a:lnSpc>
-              <a:spcBef>
-                <a:spcPct val="30000"/>
-              </a:spcBef>
-              <a:buFontTx/>
-              <a:buChar char="•"/>
-            </a:pPr>
-            <a:r>
-              <a:rPr lang="en-US" altLang="en-US" sz="1200" b="1" dirty="0">
-                <a:latin typeface="Arial" panose="020B0604020202020204" pitchFamily="34" charset="0"/>
-              </a:rPr>
-              <a:t>Don’t be jerks, have feelings</a:t>
-            </a:r>
-          </a:p>
-          <a:p>
-            <a:pPr>
-              <a:lnSpc>
-                <a:spcPct val="90000"/>
-              </a:lnSpc>
-              <a:spcBef>
-                <a:spcPct val="30000"/>
-              </a:spcBef>
-              <a:buFontTx/>
-              <a:buChar char="•"/>
-            </a:pPr>
-            <a:r>
-              <a:rPr lang="en-US" altLang="en-US" sz="1200" b="1" dirty="0" err="1">
-                <a:latin typeface="Arial" panose="020B0604020202020204" pitchFamily="34" charset="0"/>
-              </a:rPr>
-              <a:t>Etc</a:t>
-            </a:r>
-            <a:endParaRPr lang="en-US" altLang="en-US" sz="1200" b="1" dirty="0">
-              <a:latin typeface="Arial" panose="020B0604020202020204" pitchFamily="34" charset="0"/>
-            </a:endParaRPr>
-          </a:p>
-          <a:p>
-            <a:pPr>
-              <a:lnSpc>
-                <a:spcPct val="90000"/>
-              </a:lnSpc>
-              <a:spcBef>
-                <a:spcPct val="30000"/>
-              </a:spcBef>
-              <a:buFontTx/>
-              <a:buChar char="•"/>
-            </a:pPr>
-            <a:r>
-              <a:rPr lang="en-US" altLang="en-US" sz="1200" b="1" dirty="0" err="1">
-                <a:latin typeface="Arial" panose="020B0604020202020204" pitchFamily="34" charset="0"/>
-              </a:rPr>
-              <a:t>Etc</a:t>
-            </a:r>
-            <a:endParaRPr lang="en-US" altLang="en-US" sz="1200" b="1" dirty="0">
-              <a:latin typeface="Arial" panose="020B0604020202020204" pitchFamily="34" charset="0"/>
-            </a:endParaRPr>
-          </a:p>
-          <a:p>
-            <a:pPr>
-              <a:lnSpc>
-                <a:spcPct val="90000"/>
-              </a:lnSpc>
-              <a:spcBef>
-                <a:spcPct val="30000"/>
-              </a:spcBef>
-              <a:buFontTx/>
-              <a:buChar char="•"/>
-            </a:pPr>
-            <a:r>
-              <a:rPr lang="en-US" altLang="en-US" sz="1200" b="1" dirty="0" err="1">
-                <a:latin typeface="Arial" panose="020B0604020202020204" pitchFamily="34" charset="0"/>
-              </a:rPr>
-              <a:t>Etc</a:t>
-            </a:r>
-            <a:endParaRPr lang="en-US" altLang="en-US" sz="1200" b="1" dirty="0">
-              <a:latin typeface="Arial" panose="020B0604020202020204" pitchFamily="34" charset="0"/>
-            </a:endParaRPr>
-          </a:p>
-          <a:p>
-            <a:pPr>
-              <a:lnSpc>
-                <a:spcPct val="90000"/>
-              </a:lnSpc>
-              <a:spcBef>
-                <a:spcPct val="30000"/>
-              </a:spcBef>
-              <a:buFontTx/>
-              <a:buChar char="•"/>
-            </a:pPr>
-            <a:r>
-              <a:rPr lang="en-US" altLang="en-US" sz="1200" b="1" dirty="0" err="1">
-                <a:latin typeface="Arial" panose="020B0604020202020204" pitchFamily="34" charset="0"/>
-              </a:rPr>
-              <a:t>Etc</a:t>
-            </a:r>
-            <a:endParaRPr lang="en-US" altLang="en-US" sz="1200" b="1" dirty="0">
-              <a:latin typeface="Arial" panose="020B0604020202020204" pitchFamily="34" charset="0"/>
-            </a:endParaRPr>
           </a:p>
           <a:p>
             <a:pPr>
@@ -9667,7 +9655,7 @@
               <a:rPr lang="en-US" altLang="en-US" sz="1200" b="1" dirty="0">
                 <a:latin typeface="Arial" panose="020B0604020202020204" pitchFamily="34" charset="0"/>
               </a:rPr>
-              <a:t>History of Bias and Fairness in ML</a:t>
+              <a:t>Bias is very prevalent, occurring in ML models at pre-process, in-process, post-process stages.</a:t>
             </a:r>
           </a:p>
           <a:p>
@@ -9685,7 +9673,7 @@
               <a:rPr lang="en-US" altLang="en-US" sz="1200" b="1" dirty="0">
                 <a:latin typeface="Arial" panose="020B0604020202020204" pitchFamily="34" charset="0"/>
               </a:rPr>
-              <a:t>Most Studies use Binary / Protected – Unprotected</a:t>
+              <a:t>Examples of ML bias are widely known – COMPAS, Amazon hiring algorithm/resume scan, Word2Vec. Most are binary: protected class vs unprotected class.</a:t>
             </a:r>
           </a:p>
           <a:p>
@@ -9703,25 +9691,7 @@
               <a:rPr lang="en-US" altLang="en-US" sz="1200" b="1" dirty="0">
                 <a:latin typeface="Arial" panose="020B0604020202020204" pitchFamily="34" charset="0"/>
               </a:rPr>
-              <a:t>Another Point</a:t>
-            </a:r>
-          </a:p>
-          <a:p>
-            <a:pPr>
-              <a:lnSpc>
-                <a:spcPct val="90000"/>
-              </a:lnSpc>
-              <a:spcBef>
-                <a:spcPct val="30000"/>
-              </a:spcBef>
-              <a:buFontTx/>
-              <a:buChar char="•"/>
-            </a:pPr>
-            <a:r>
-              <a:rPr lang="en-US" altLang="en-US" sz="1200" b="1" dirty="0">
-                <a:latin typeface="Arial" panose="020B0604020202020204" pitchFamily="34" charset="0"/>
-              </a:rPr>
-              <a:t>What else do we want to say for Intro?</a:t>
+              <a:t>Our study focuses on eliminating bias stemming from AGE when predicting employee attrition.</a:t>
             </a:r>
           </a:p>
         </p:txBody>
@@ -9878,7 +9848,7 @@
           </a:lstStyle>
           <a:p>
             <a:pPr eaLnBrk="1" hangingPunct="1"/>
-            <a:endParaRPr lang="en-US" altLang="en-US"/>
+            <a:endParaRPr lang="en-US" altLang="en-US" dirty="0"/>
           </a:p>
         </p:txBody>
       </p:sp>
@@ -10036,7 +10006,7 @@
           </a:lstStyle>
           <a:p>
             <a:r>
-              <a:rPr lang="en-US" altLang="en-US" sz="1800" b="1">
+              <a:rPr lang="en-US" altLang="en-US" sz="1800" b="1" dirty="0">
                 <a:solidFill>
                   <a:srgbClr val="9E0700"/>
                 </a:solidFill>
@@ -10062,7 +10032,7 @@
           <p:nvPr/>
         </p:nvPicPr>
         <p:blipFill rotWithShape="1">
-          <a:blip r:embed="rId7"/>
+          <a:blip r:embed="rId8"/>
           <a:srcRect t="30838"/>
           <a:stretch/>
         </p:blipFill>
@@ -10091,7 +10061,7 @@
           <p:nvPr/>
         </p:nvPicPr>
         <p:blipFill>
-          <a:blip r:embed="rId8"/>
+          <a:blip r:embed="rId9"/>
           <a:stretch>
             <a:fillRect/>
           </a:stretch>
@@ -10121,7 +10091,7 @@
           <p:nvPr/>
         </p:nvPicPr>
         <p:blipFill>
-          <a:blip r:embed="rId9"/>
+          <a:blip r:embed="rId10"/>
           <a:stretch>
             <a:fillRect/>
           </a:stretch>
@@ -10189,7 +10159,7 @@
           <p:nvPr>
             <p:extLst>
               <p:ext uri="{D42A27DB-BD31-4B8C-83A1-F6EECF244321}">
-                <p14:modId xmlns:p14="http://schemas.microsoft.com/office/powerpoint/2010/main" val="1018423895"/>
+                <p14:modId xmlns:p14="http://schemas.microsoft.com/office/powerpoint/2010/main" val="929903337"/>
               </p:ext>
             </p:extLst>
           </p:nvPr>
@@ -10612,7 +10582,10 @@
                     <a:bodyPr/>
                     <a:lstStyle/>
                     <a:p>
-                      <a:endParaRPr lang="en-US" dirty="0"/>
+                      <a:r>
+                        <a:rPr lang="en-US" dirty="0"/>
+                        <a:t>0.9394</a:t>
+                      </a:r>
                     </a:p>
                   </a:txBody>
                   <a:tcPr>
@@ -10628,6 +10601,49 @@
                   <a:txBody>
                     <a:bodyPr/>
                     <a:lstStyle/>
+                    <a:p>
+                      <a:r>
+                        <a:rPr lang="en-US" dirty="0"/>
+                        <a:t>0.96</a:t>
+                      </a:r>
+                    </a:p>
+                  </a:txBody>
+                  <a:tcPr>
+                    <a:solidFill>
+                      <a:schemeClr val="bg2">
+                        <a:lumMod val="40000"/>
+                        <a:lumOff val="60000"/>
+                      </a:schemeClr>
+                    </a:solidFill>
+                  </a:tcPr>
+                </a:tc>
+                <a:tc>
+                  <a:txBody>
+                    <a:bodyPr/>
+                    <a:lstStyle/>
+                    <a:p>
+                      <a:pPr marL="0" marR="0" lvl="0" indent="0" algn="l" defTabSz="457200" rtl="0" eaLnBrk="1" fontAlgn="auto" latinLnBrk="0" hangingPunct="1">
+                        <a:lnSpc>
+                          <a:spcPct val="100000"/>
+                        </a:lnSpc>
+                        <a:spcBef>
+                          <a:spcPts val="0"/>
+                        </a:spcBef>
+                        <a:spcAft>
+                          <a:spcPts val="0"/>
+                        </a:spcAft>
+                        <a:buClrTx/>
+                        <a:buSzTx/>
+                        <a:buFontTx/>
+                        <a:buNone/>
+                        <a:tabLst/>
+                        <a:defRPr/>
+                      </a:pPr>
+                      <a:r>
+                        <a:rPr lang="en-US" dirty="0"/>
+                        <a:t>0.9438</a:t>
+                      </a:r>
+                    </a:p>
                     <a:p>
                       <a:endParaRPr lang="en-US" dirty="0"/>
                     </a:p>
@@ -10646,7 +10662,10 @@
                     <a:bodyPr/>
                     <a:lstStyle/>
                     <a:p>
-                      <a:endParaRPr lang="en-US" dirty="0"/>
+                      <a:r>
+                        <a:rPr lang="en-US" dirty="0"/>
+                        <a:t>0.9655</a:t>
+                      </a:r>
                     </a:p>
                   </a:txBody>
                   <a:tcPr>
@@ -10663,7 +10682,10 @@
                     <a:bodyPr/>
                     <a:lstStyle/>
                     <a:p>
-                      <a:endParaRPr lang="en-US" dirty="0"/>
+                      <a:r>
+                        <a:rPr lang="en-US" dirty="0"/>
+                        <a:t>0.9464</a:t>
+                      </a:r>
                     </a:p>
                   </a:txBody>
                   <a:tcPr>
@@ -10680,7 +10702,10 @@
                     <a:bodyPr/>
                     <a:lstStyle/>
                     <a:p>
-                      <a:endParaRPr lang="en-US" dirty="0"/>
+                      <a:r>
+                        <a:rPr lang="en-US" dirty="0"/>
+                        <a:t>0.9565</a:t>
+                      </a:r>
                     </a:p>
                   </a:txBody>
                   <a:tcPr>
@@ -10697,7 +10722,10 @@
                     <a:bodyPr/>
                     <a:lstStyle/>
                     <a:p>
-                      <a:endParaRPr lang="en-US" dirty="0"/>
+                      <a:r>
+                        <a:rPr lang="en-US" dirty="0"/>
+                        <a:t>1.0</a:t>
+                      </a:r>
                     </a:p>
                   </a:txBody>
                   <a:tcPr>
@@ -10714,24 +10742,10 @@
                     <a:bodyPr/>
                     <a:lstStyle/>
                     <a:p>
-                      <a:endParaRPr lang="en-US" dirty="0"/>
-                    </a:p>
-                  </a:txBody>
-                  <a:tcPr>
-                    <a:solidFill>
-                      <a:schemeClr val="bg2">
-                        <a:lumMod val="40000"/>
-                        <a:lumOff val="60000"/>
-                      </a:schemeClr>
-                    </a:solidFill>
-                  </a:tcPr>
-                </a:tc>
-                <a:tc>
-                  <a:txBody>
-                    <a:bodyPr/>
-                    <a:lstStyle/>
-                    <a:p>
-                      <a:endParaRPr lang="en-US" dirty="0"/>
+                      <a:r>
+                        <a:rPr lang="en-US" dirty="0"/>
+                        <a:t>0.9375</a:t>
+                      </a:r>
                     </a:p>
                   </a:txBody>
                   <a:tcPr>
@@ -10802,6 +10816,172 @@
                     <a:bodyPr/>
                     <a:lstStyle/>
                     <a:p>
+                      <a:r>
+                        <a:rPr lang="en-US" dirty="0"/>
+                        <a:t>1.0</a:t>
+                      </a:r>
+                    </a:p>
+                  </a:txBody>
+                  <a:tcPr>
+                    <a:lnB w="12700" cap="flat" cmpd="sng" algn="ctr">
+                      <a:noFill/>
+                      <a:prstDash val="solid"/>
+                      <a:round/>
+                      <a:headEnd type="none" w="med" len="med"/>
+                      <a:tailEnd type="none" w="med" len="med"/>
+                    </a:lnB>
+                    <a:solidFill>
+                      <a:schemeClr val="bg2">
+                        <a:lumMod val="20000"/>
+                        <a:lumOff val="80000"/>
+                      </a:schemeClr>
+                    </a:solidFill>
+                  </a:tcPr>
+                </a:tc>
+                <a:tc>
+                  <a:txBody>
+                    <a:bodyPr/>
+                    <a:lstStyle/>
+                    <a:p>
+                      <a:r>
+                        <a:rPr lang="en-US" dirty="0"/>
+                        <a:t>1.0</a:t>
+                      </a:r>
+                    </a:p>
+                  </a:txBody>
+                  <a:tcPr>
+                    <a:lnB w="12700" cap="flat" cmpd="sng" algn="ctr">
+                      <a:noFill/>
+                      <a:prstDash val="solid"/>
+                      <a:round/>
+                      <a:headEnd type="none" w="med" len="med"/>
+                      <a:tailEnd type="none" w="med" len="med"/>
+                    </a:lnB>
+                    <a:solidFill>
+                      <a:schemeClr val="bg2">
+                        <a:lumMod val="20000"/>
+                        <a:lumOff val="80000"/>
+                      </a:schemeClr>
+                    </a:solidFill>
+                  </a:tcPr>
+                </a:tc>
+                <a:tc>
+                  <a:txBody>
+                    <a:bodyPr/>
+                    <a:lstStyle/>
+                    <a:p>
+                      <a:r>
+                        <a:rPr lang="en-US" dirty="0"/>
+                        <a:t>0.9888</a:t>
+                      </a:r>
+                    </a:p>
+                  </a:txBody>
+                  <a:tcPr>
+                    <a:lnB w="12700" cap="flat" cmpd="sng" algn="ctr">
+                      <a:noFill/>
+                      <a:prstDash val="solid"/>
+                      <a:round/>
+                      <a:headEnd type="none" w="med" len="med"/>
+                      <a:tailEnd type="none" w="med" len="med"/>
+                    </a:lnB>
+                    <a:solidFill>
+                      <a:schemeClr val="bg2">
+                        <a:lumMod val="20000"/>
+                        <a:lumOff val="80000"/>
+                      </a:schemeClr>
+                    </a:solidFill>
+                  </a:tcPr>
+                </a:tc>
+                <a:tc>
+                  <a:txBody>
+                    <a:bodyPr/>
+                    <a:lstStyle/>
+                    <a:p>
+                      <a:r>
+                        <a:rPr lang="en-US" dirty="0"/>
+                        <a:t>0.9828</a:t>
+                      </a:r>
+                    </a:p>
+                  </a:txBody>
+                  <a:tcPr>
+                    <a:lnB w="12700" cap="flat" cmpd="sng" algn="ctr">
+                      <a:noFill/>
+                      <a:prstDash val="solid"/>
+                      <a:round/>
+                      <a:headEnd type="none" w="med" len="med"/>
+                      <a:tailEnd type="none" w="med" len="med"/>
+                    </a:lnB>
+                    <a:solidFill>
+                      <a:schemeClr val="bg2">
+                        <a:lumMod val="20000"/>
+                        <a:lumOff val="80000"/>
+                      </a:schemeClr>
+                    </a:solidFill>
+                  </a:tcPr>
+                </a:tc>
+                <a:tc>
+                  <a:txBody>
+                    <a:bodyPr/>
+                    <a:lstStyle/>
+                    <a:p>
+                      <a:r>
+                        <a:rPr lang="en-US" dirty="0"/>
+                        <a:t>1.0</a:t>
+                      </a:r>
+                    </a:p>
+                  </a:txBody>
+                  <a:tcPr>
+                    <a:lnB w="12700" cap="flat" cmpd="sng" algn="ctr">
+                      <a:noFill/>
+                      <a:prstDash val="solid"/>
+                      <a:round/>
+                      <a:headEnd type="none" w="med" len="med"/>
+                      <a:tailEnd type="none" w="med" len="med"/>
+                    </a:lnB>
+                    <a:solidFill>
+                      <a:schemeClr val="bg2">
+                        <a:lumMod val="20000"/>
+                        <a:lumOff val="80000"/>
+                      </a:schemeClr>
+                    </a:solidFill>
+                  </a:tcPr>
+                </a:tc>
+                <a:tc>
+                  <a:txBody>
+                    <a:bodyPr/>
+                    <a:lstStyle/>
+                    <a:p>
+                      <a:r>
+                        <a:rPr lang="en-US" dirty="0"/>
+                        <a:t>1.0</a:t>
+                      </a:r>
+                    </a:p>
+                  </a:txBody>
+                  <a:tcPr>
+                    <a:lnB w="12700" cap="flat" cmpd="sng" algn="ctr">
+                      <a:noFill/>
+                      <a:prstDash val="solid"/>
+                      <a:round/>
+                      <a:headEnd type="none" w="med" len="med"/>
+                      <a:tailEnd type="none" w="med" len="med"/>
+                    </a:lnB>
+                    <a:solidFill>
+                      <a:schemeClr val="bg2">
+                        <a:lumMod val="20000"/>
+                        <a:lumOff val="80000"/>
+                      </a:schemeClr>
+                    </a:solidFill>
+                  </a:tcPr>
+                </a:tc>
+                <a:tc>
+                  <a:txBody>
+                    <a:bodyPr/>
+                    <a:lstStyle/>
+                    <a:p>
+                      <a:r>
+                        <a:rPr lang="en-US"/>
+                        <a:t>1.0</a:t>
+                      </a:r>
                       <a:endParaRPr lang="en-US" dirty="0"/>
                     </a:p>
                   </a:txBody>
@@ -10826,151 +11006,10 @@
                     <a:bodyPr/>
                     <a:lstStyle/>
                     <a:p>
-                      <a:endParaRPr lang="en-US" dirty="0"/>
-                    </a:p>
-                  </a:txBody>
-                  <a:tcPr>
-                    <a:lnB w="12700" cap="flat" cmpd="sng" algn="ctr">
-                      <a:noFill/>
-                      <a:prstDash val="solid"/>
-                      <a:round/>
-                      <a:headEnd type="none" w="med" len="med"/>
-                      <a:tailEnd type="none" w="med" len="med"/>
-                    </a:lnB>
-                    <a:solidFill>
-                      <a:schemeClr val="bg2">
-                        <a:lumMod val="20000"/>
-                        <a:lumOff val="80000"/>
-                      </a:schemeClr>
-                    </a:solidFill>
-                  </a:tcPr>
-                </a:tc>
-                <a:tc>
-                  <a:txBody>
-                    <a:bodyPr/>
-                    <a:lstStyle/>
-                    <a:p>
-                      <a:endParaRPr lang="en-US" dirty="0"/>
-                    </a:p>
-                  </a:txBody>
-                  <a:tcPr>
-                    <a:lnB w="12700" cap="flat" cmpd="sng" algn="ctr">
-                      <a:noFill/>
-                      <a:prstDash val="solid"/>
-                      <a:round/>
-                      <a:headEnd type="none" w="med" len="med"/>
-                      <a:tailEnd type="none" w="med" len="med"/>
-                    </a:lnB>
-                    <a:solidFill>
-                      <a:schemeClr val="bg2">
-                        <a:lumMod val="20000"/>
-                        <a:lumOff val="80000"/>
-                      </a:schemeClr>
-                    </a:solidFill>
-                  </a:tcPr>
-                </a:tc>
-                <a:tc>
-                  <a:txBody>
-                    <a:bodyPr/>
-                    <a:lstStyle/>
-                    <a:p>
-                      <a:endParaRPr lang="en-US" dirty="0"/>
-                    </a:p>
-                  </a:txBody>
-                  <a:tcPr>
-                    <a:lnB w="12700" cap="flat" cmpd="sng" algn="ctr">
-                      <a:noFill/>
-                      <a:prstDash val="solid"/>
-                      <a:round/>
-                      <a:headEnd type="none" w="med" len="med"/>
-                      <a:tailEnd type="none" w="med" len="med"/>
-                    </a:lnB>
-                    <a:solidFill>
-                      <a:schemeClr val="bg2">
-                        <a:lumMod val="20000"/>
-                        <a:lumOff val="80000"/>
-                      </a:schemeClr>
-                    </a:solidFill>
-                  </a:tcPr>
-                </a:tc>
-                <a:tc>
-                  <a:txBody>
-                    <a:bodyPr/>
-                    <a:lstStyle/>
-                    <a:p>
-                      <a:endParaRPr lang="en-US" dirty="0"/>
-                    </a:p>
-                  </a:txBody>
-                  <a:tcPr>
-                    <a:lnB w="12700" cap="flat" cmpd="sng" algn="ctr">
-                      <a:noFill/>
-                      <a:prstDash val="solid"/>
-                      <a:round/>
-                      <a:headEnd type="none" w="med" len="med"/>
-                      <a:tailEnd type="none" w="med" len="med"/>
-                    </a:lnB>
-                    <a:solidFill>
-                      <a:schemeClr val="bg2">
-                        <a:lumMod val="20000"/>
-                        <a:lumOff val="80000"/>
-                      </a:schemeClr>
-                    </a:solidFill>
-                  </a:tcPr>
-                </a:tc>
-                <a:tc>
-                  <a:txBody>
-                    <a:bodyPr/>
-                    <a:lstStyle/>
-                    <a:p>
-                      <a:endParaRPr lang="en-US" dirty="0"/>
-                    </a:p>
-                  </a:txBody>
-                  <a:tcPr>
-                    <a:lnB w="12700" cap="flat" cmpd="sng" algn="ctr">
-                      <a:noFill/>
-                      <a:prstDash val="solid"/>
-                      <a:round/>
-                      <a:headEnd type="none" w="med" len="med"/>
-                      <a:tailEnd type="none" w="med" len="med"/>
-                    </a:lnB>
-                    <a:solidFill>
-                      <a:schemeClr val="bg2">
-                        <a:lumMod val="20000"/>
-                        <a:lumOff val="80000"/>
-                      </a:schemeClr>
-                    </a:solidFill>
-                  </a:tcPr>
-                </a:tc>
-                <a:tc>
-                  <a:txBody>
-                    <a:bodyPr/>
-                    <a:lstStyle/>
-                    <a:p>
-                      <a:endParaRPr lang="en-US" dirty="0"/>
-                    </a:p>
-                  </a:txBody>
-                  <a:tcPr>
-                    <a:lnB w="12700" cap="flat" cmpd="sng" algn="ctr">
-                      <a:noFill/>
-                      <a:prstDash val="solid"/>
-                      <a:round/>
-                      <a:headEnd type="none" w="med" len="med"/>
-                      <a:tailEnd type="none" w="med" len="med"/>
-                    </a:lnB>
-                    <a:solidFill>
-                      <a:schemeClr val="bg2">
-                        <a:lumMod val="20000"/>
-                        <a:lumOff val="80000"/>
-                      </a:schemeClr>
-                    </a:solidFill>
-                  </a:tcPr>
-                </a:tc>
-                <a:tc>
-                  <a:txBody>
-                    <a:bodyPr/>
-                    <a:lstStyle/>
-                    <a:p>
-                      <a:endParaRPr lang="en-US" dirty="0"/>
+                      <a:r>
+                        <a:rPr lang="en-US" dirty="0"/>
+                        <a:t>0.9972</a:t>
+                      </a:r>
                     </a:p>
                   </a:txBody>
                   <a:tcPr>
@@ -11164,7 +11203,7 @@
               <a:buNone/>
               <a:tabLst/>
             </a:pPr>
-            <a:endParaRPr kumimoji="0" lang="en-US" sz="1400" b="0" i="0" u="none" strike="noStrike" cap="none" normalizeH="0" baseline="0">
+            <a:endParaRPr kumimoji="0" lang="en-US" sz="1400" b="0" i="0" u="none" strike="noStrike" cap="none" normalizeH="0" baseline="0" dirty="0">
               <a:ln>
                 <a:noFill/>
               </a:ln>
@@ -11235,7 +11274,7 @@
               <a:buNone/>
               <a:tabLst/>
             </a:pPr>
-            <a:endParaRPr kumimoji="0" lang="en-US" sz="1400" b="0" i="0" u="none" strike="noStrike" cap="none" normalizeH="0" baseline="0">
+            <a:endParaRPr kumimoji="0" lang="en-US" sz="1400" b="0" i="0" u="none" strike="noStrike" cap="none" normalizeH="0" baseline="0" dirty="0">
               <a:ln>
                 <a:noFill/>
               </a:ln>
@@ -11248,66 +11287,6 @@
           </a:p>
         </p:txBody>
       </p:sp>
-      <p:pic>
-        <p:nvPicPr>
-          <p:cNvPr id="62" name="Picture 61">
-            <a:extLst>
-              <a:ext uri="{FF2B5EF4-FFF2-40B4-BE49-F238E27FC236}">
-                <a16:creationId xmlns:a16="http://schemas.microsoft.com/office/drawing/2014/main" id="{E785620F-58AB-4B71-932A-71A30B18F594}"/>
-              </a:ext>
-            </a:extLst>
-          </p:cNvPr>
-          <p:cNvPicPr>
-            <a:picLocks noChangeAspect="1"/>
-          </p:cNvPicPr>
-          <p:nvPr/>
-        </p:nvPicPr>
-        <p:blipFill>
-          <a:blip r:embed="rId10"/>
-          <a:stretch>
-            <a:fillRect/>
-          </a:stretch>
-        </p:blipFill>
-        <p:spPr>
-          <a:xfrm>
-            <a:off x="515472" y="6797477"/>
-            <a:ext cx="2363518" cy="1455439"/>
-          </a:xfrm>
-          <a:prstGeom prst="rect">
-            <a:avLst/>
-          </a:prstGeom>
-        </p:spPr>
-      </p:pic>
-      <p:pic>
-        <p:nvPicPr>
-          <p:cNvPr id="63" name="Picture 62">
-            <a:extLst>
-              <a:ext uri="{FF2B5EF4-FFF2-40B4-BE49-F238E27FC236}">
-                <a16:creationId xmlns:a16="http://schemas.microsoft.com/office/drawing/2014/main" id="{BBC9D701-EB9D-4836-8E51-4627059CD27F}"/>
-              </a:ext>
-            </a:extLst>
-          </p:cNvPr>
-          <p:cNvPicPr>
-            <a:picLocks noChangeAspect="1"/>
-          </p:cNvPicPr>
-          <p:nvPr/>
-        </p:nvPicPr>
-        <p:blipFill>
-          <a:blip r:embed="rId11"/>
-          <a:stretch>
-            <a:fillRect/>
-          </a:stretch>
-        </p:blipFill>
-        <p:spPr>
-          <a:xfrm>
-            <a:off x="515472" y="8372751"/>
-            <a:ext cx="2363518" cy="1266550"/>
-          </a:xfrm>
-          <a:prstGeom prst="rect">
-            <a:avLst/>
-          </a:prstGeom>
-        </p:spPr>
-      </p:pic>
     </p:spTree>
   </p:cSld>
   <p:clrMapOvr>

--- a/USE THIS ONE AdversarialBiasPoster.pptx
+++ b/USE THIS ONE AdversarialBiasPoster.pptx
@@ -5014,7 +5014,7 @@
           <a:graphicData uri="http://schemas.openxmlformats.org/presentationml/2006/ole">
             <mc:AlternateContent xmlns:mc="http://schemas.openxmlformats.org/markup-compatibility/2006">
               <mc:Choice xmlns:v="urn:schemas-microsoft-com:vml" Requires="v">
-                <p:oleObj spid="_x0000_s5172" name="Clip" r:id="rId5" imgW="20457143" imgH="13384127" progId="MS_ClipArt_Gallery.2">
+                <p:oleObj spid="_x0000_s5177" name="Clip" r:id="rId5" imgW="20457143" imgH="13384127" progId="MS_ClipArt_Gallery.2">
                   <p:embed/>
                 </p:oleObj>
               </mc:Choice>
@@ -10038,68 +10038,8 @@
         </p:blipFill>
         <p:spPr>
           <a:xfrm>
-            <a:off x="5674599" y="1848252"/>
+            <a:off x="5692213" y="1805277"/>
             <a:ext cx="4172505" cy="1614305"/>
-          </a:xfrm>
-          <a:prstGeom prst="rect">
-            <a:avLst/>
-          </a:prstGeom>
-        </p:spPr>
-      </p:pic>
-      <p:pic>
-        <p:nvPicPr>
-          <p:cNvPr id="41" name="Content Placeholder 63">
-            <a:extLst>
-              <a:ext uri="{FF2B5EF4-FFF2-40B4-BE49-F238E27FC236}">
-                <a16:creationId xmlns:a16="http://schemas.microsoft.com/office/drawing/2014/main" id="{18D03490-A96A-453F-AB3C-A1B25044C44C}"/>
-              </a:ext>
-            </a:extLst>
-          </p:cNvPr>
-          <p:cNvPicPr>
-            <a:picLocks/>
-          </p:cNvPicPr>
-          <p:nvPr/>
-        </p:nvPicPr>
-        <p:blipFill>
-          <a:blip r:embed="rId9"/>
-          <a:stretch>
-            <a:fillRect/>
-          </a:stretch>
-        </p:blipFill>
-        <p:spPr>
-          <a:xfrm>
-            <a:off x="7959725" y="3368676"/>
-            <a:ext cx="2397130" cy="1554480"/>
-          </a:xfrm>
-          <a:prstGeom prst="rect">
-            <a:avLst/>
-          </a:prstGeom>
-        </p:spPr>
-      </p:pic>
-      <p:pic>
-        <p:nvPicPr>
-          <p:cNvPr id="42" name="Picture 41">
-            <a:extLst>
-              <a:ext uri="{FF2B5EF4-FFF2-40B4-BE49-F238E27FC236}">
-                <a16:creationId xmlns:a16="http://schemas.microsoft.com/office/drawing/2014/main" id="{51CE36FA-C8AA-4108-90B9-7A12E9A8C5A1}"/>
-              </a:ext>
-            </a:extLst>
-          </p:cNvPr>
-          <p:cNvPicPr>
-            <a:picLocks/>
-          </p:cNvPicPr>
-          <p:nvPr/>
-        </p:nvPicPr>
-        <p:blipFill>
-          <a:blip r:embed="rId10"/>
-          <a:stretch>
-            <a:fillRect/>
-          </a:stretch>
-        </p:blipFill>
-        <p:spPr>
-          <a:xfrm>
-            <a:off x="5036182" y="3338641"/>
-            <a:ext cx="2542032" cy="1555940"/>
           </a:xfrm>
           <a:prstGeom prst="rect">
             <a:avLst/>
@@ -11159,7 +11099,7 @@
         </p:nvSpPr>
         <p:spPr bwMode="auto">
           <a:xfrm>
-            <a:off x="14653260" y="1660296"/>
+            <a:off x="15188792" y="1623305"/>
             <a:ext cx="91440" cy="4197096"/>
           </a:xfrm>
           <a:prstGeom prst="rect">
@@ -11287,6 +11227,66 @@
           </a:p>
         </p:txBody>
       </p:sp>
+      <p:pic>
+        <p:nvPicPr>
+          <p:cNvPr id="3" name="Picture 2" descr="A picture containing clock&#10;&#10;Description automatically generated">
+            <a:extLst>
+              <a:ext uri="{FF2B5EF4-FFF2-40B4-BE49-F238E27FC236}">
+                <a16:creationId xmlns:a16="http://schemas.microsoft.com/office/drawing/2014/main" id="{AEF4D28B-E846-4B78-8AF3-A5132F5FEC00}"/>
+              </a:ext>
+            </a:extLst>
+          </p:cNvPr>
+          <p:cNvPicPr>
+            <a:picLocks noChangeAspect="1"/>
+          </p:cNvPicPr>
+          <p:nvPr/>
+        </p:nvPicPr>
+        <p:blipFill>
+          <a:blip r:embed="rId9"/>
+          <a:stretch>
+            <a:fillRect/>
+          </a:stretch>
+        </p:blipFill>
+        <p:spPr>
+          <a:xfrm>
+            <a:off x="7754652" y="3682069"/>
+            <a:ext cx="2888312" cy="2067294"/>
+          </a:xfrm>
+          <a:prstGeom prst="rect">
+            <a:avLst/>
+          </a:prstGeom>
+        </p:spPr>
+      </p:pic>
+      <p:pic>
+        <p:nvPicPr>
+          <p:cNvPr id="9" name="Picture 8" descr="A picture containing object, clock, monitor, large&#10;&#10;Description automatically generated">
+            <a:extLst>
+              <a:ext uri="{FF2B5EF4-FFF2-40B4-BE49-F238E27FC236}">
+                <a16:creationId xmlns:a16="http://schemas.microsoft.com/office/drawing/2014/main" id="{ECA20634-4CA1-4E12-9D7B-AD1427DEBF8D}"/>
+              </a:ext>
+            </a:extLst>
+          </p:cNvPr>
+          <p:cNvPicPr>
+            <a:picLocks noChangeAspect="1"/>
+          </p:cNvPicPr>
+          <p:nvPr/>
+        </p:nvPicPr>
+        <p:blipFill>
+          <a:blip r:embed="rId10"/>
+          <a:stretch>
+            <a:fillRect/>
+          </a:stretch>
+        </p:blipFill>
+        <p:spPr>
+          <a:xfrm>
+            <a:off x="4852524" y="3570500"/>
+            <a:ext cx="2854242" cy="2222232"/>
+          </a:xfrm>
+          <a:prstGeom prst="rect">
+            <a:avLst/>
+          </a:prstGeom>
+        </p:spPr>
+      </p:pic>
     </p:spTree>
   </p:cSld>
   <p:clrMapOvr>

--- a/USE THIS ONE AdversarialBiasPoster.pptx
+++ b/USE THIS ONE AdversarialBiasPoster.pptx
@@ -5014,7 +5014,7 @@
           <a:graphicData uri="http://schemas.openxmlformats.org/presentationml/2006/ole">
             <mc:AlternateContent xmlns:mc="http://schemas.openxmlformats.org/markup-compatibility/2006">
               <mc:Choice xmlns:v="urn:schemas-microsoft-com:vml" Requires="v">
-                <p:oleObj spid="_x0000_s5177" name="Clip" r:id="rId5" imgW="20457143" imgH="13384127" progId="MS_ClipArt_Gallery.2">
+                <p:oleObj spid="_x0000_s5178" name="Clip" r:id="rId5" imgW="20457143" imgH="13384127" progId="MS_ClipArt_Gallery.2">
                   <p:embed/>
                 </p:oleObj>
               </mc:Choice>
@@ -5111,7 +5111,7 @@
         <p:spPr bwMode="auto">
           <a:xfrm>
             <a:off x="4114800" y="128588"/>
-            <a:ext cx="7315200" cy="1230312"/>
+            <a:ext cx="7315200" cy="986703"/>
           </a:xfrm>
           <a:prstGeom prst="rect">
             <a:avLst/>
@@ -10038,8 +10038,8 @@
         </p:blipFill>
         <p:spPr>
           <a:xfrm>
-            <a:off x="5692213" y="1805277"/>
-            <a:ext cx="4172505" cy="1614305"/>
+            <a:off x="5772795" y="1805033"/>
+            <a:ext cx="4172505" cy="673103"/>
           </a:xfrm>
           <a:prstGeom prst="rect">
             <a:avLst/>
@@ -11249,8 +11249,8 @@
         </p:blipFill>
         <p:spPr>
           <a:xfrm>
-            <a:off x="7754652" y="3682069"/>
-            <a:ext cx="2888312" cy="2067294"/>
+            <a:off x="5899242" y="3930650"/>
+            <a:ext cx="3655336" cy="1789316"/>
           </a:xfrm>
           <a:prstGeom prst="rect">
             <a:avLst/>
@@ -11279,8 +11279,8 @@
         </p:blipFill>
         <p:spPr>
           <a:xfrm>
-            <a:off x="4852524" y="3570500"/>
-            <a:ext cx="2854242" cy="2222232"/>
+            <a:off x="5105238" y="2478136"/>
+            <a:ext cx="5243344" cy="1509636"/>
           </a:xfrm>
           <a:prstGeom prst="rect">
             <a:avLst/>

--- a/USE THIS ONE AdversarialBiasPoster.pptx
+++ b/USE THIS ONE AdversarialBiasPoster.pptx
@@ -3796,6 +3796,66 @@
       </p:grpSpPr>
       <p:pic>
         <p:nvPicPr>
+          <p:cNvPr id="3" name="Picture 2" descr="A picture containing clock&#10;&#10;Description automatically generated">
+            <a:extLst>
+              <a:ext uri="{FF2B5EF4-FFF2-40B4-BE49-F238E27FC236}">
+                <a16:creationId xmlns:a16="http://schemas.microsoft.com/office/drawing/2014/main" id="{AEF4D28B-E846-4B78-8AF3-A5132F5FEC00}"/>
+              </a:ext>
+            </a:extLst>
+          </p:cNvPr>
+          <p:cNvPicPr>
+            <a:picLocks noChangeAspect="1"/>
+          </p:cNvPicPr>
+          <p:nvPr/>
+        </p:nvPicPr>
+        <p:blipFill>
+          <a:blip r:embed="rId4"/>
+          <a:stretch>
+            <a:fillRect/>
+          </a:stretch>
+        </p:blipFill>
+        <p:spPr>
+          <a:xfrm>
+            <a:off x="6070027" y="3963308"/>
+            <a:ext cx="3182990" cy="1789316"/>
+          </a:xfrm>
+          <a:prstGeom prst="rect">
+            <a:avLst/>
+          </a:prstGeom>
+        </p:spPr>
+      </p:pic>
+      <p:pic>
+        <p:nvPicPr>
+          <p:cNvPr id="9" name="Picture 8" descr="A picture containing object, clock, monitor, large&#10;&#10;Description automatically generated">
+            <a:extLst>
+              <a:ext uri="{FF2B5EF4-FFF2-40B4-BE49-F238E27FC236}">
+                <a16:creationId xmlns:a16="http://schemas.microsoft.com/office/drawing/2014/main" id="{ECA20634-4CA1-4E12-9D7B-AD1427DEBF8D}"/>
+              </a:ext>
+            </a:extLst>
+          </p:cNvPr>
+          <p:cNvPicPr>
+            <a:picLocks noChangeAspect="1"/>
+          </p:cNvPicPr>
+          <p:nvPr/>
+        </p:nvPicPr>
+        <p:blipFill>
+          <a:blip r:embed="rId5"/>
+          <a:stretch>
+            <a:fillRect/>
+          </a:stretch>
+        </p:blipFill>
+        <p:spPr>
+          <a:xfrm>
+            <a:off x="5457023" y="1701394"/>
+            <a:ext cx="4622543" cy="2072051"/>
+          </a:xfrm>
+          <a:prstGeom prst="rect">
+            <a:avLst/>
+          </a:prstGeom>
+        </p:spPr>
+      </p:pic>
+      <p:pic>
+        <p:nvPicPr>
           <p:cNvPr id="62" name="Picture 61">
             <a:extLst>
               <a:ext uri="{FF2B5EF4-FFF2-40B4-BE49-F238E27FC236}">
@@ -3809,7 +3869,7 @@
           <p:nvPr/>
         </p:nvPicPr>
         <p:blipFill>
-          <a:blip r:embed="rId4"/>
+          <a:blip r:embed="rId6"/>
           <a:stretch>
             <a:fillRect/>
           </a:stretch>
@@ -5014,12 +5074,12 @@
           <a:graphicData uri="http://schemas.openxmlformats.org/presentationml/2006/ole">
             <mc:AlternateContent xmlns:mc="http://schemas.openxmlformats.org/markup-compatibility/2006">
               <mc:Choice xmlns:v="urn:schemas-microsoft-com:vml" Requires="v">
-                <p:oleObj spid="_x0000_s5178" name="Clip" r:id="rId5" imgW="20457143" imgH="13384127" progId="MS_ClipArt_Gallery.2">
+                <p:oleObj spid="_x0000_s5180" name="Clip" r:id="rId7" imgW="20457143" imgH="13384127" progId="MS_ClipArt_Gallery.2">
                   <p:embed/>
                 </p:oleObj>
               </mc:Choice>
               <mc:Fallback>
-                <p:oleObj name="Clip" r:id="rId5" imgW="20457143" imgH="13384127" progId="MS_ClipArt_Gallery.2">
+                <p:oleObj name="Clip" r:id="rId7" imgW="20457143" imgH="13384127" progId="MS_ClipArt_Gallery.2">
                   <p:embed/>
                   <p:pic>
                     <p:nvPicPr>
@@ -5030,7 +5090,7 @@
                       <p:nvPr/>
                     </p:nvPicPr>
                     <p:blipFill>
-                      <a:blip r:embed="rId6">
+                      <a:blip r:embed="rId8">
                         <a:lum bright="88000" contrast="-34000"/>
                         <a:extLst>
                           <a:ext uri="{28A0092B-C50C-407E-A947-70E740481C1C}">
@@ -7967,7 +8027,7 @@
                 <a:avLst/>
               </a:prstGeom>
               <a:blipFill>
-                <a:blip r:embed="rId7"/>
+                <a:blip r:embed="rId9"/>
                 <a:stretch>
                   <a:fillRect b="-23052"/>
                 </a:stretch>
@@ -10032,14 +10092,14 @@
           <p:nvPr/>
         </p:nvPicPr>
         <p:blipFill rotWithShape="1">
-          <a:blip r:embed="rId8"/>
+          <a:blip r:embed="rId10"/>
           <a:srcRect t="30838"/>
           <a:stretch/>
         </p:blipFill>
         <p:spPr>
           <a:xfrm>
-            <a:off x="5772795" y="1805033"/>
-            <a:ext cx="4172505" cy="673103"/>
+            <a:off x="4980625" y="3994151"/>
+            <a:ext cx="1967082" cy="673103"/>
           </a:xfrm>
           <a:prstGeom prst="rect">
             <a:avLst/>
@@ -10061,9 +10121,9 @@
           <p:nvPr/>
         </p:nvCxnSpPr>
         <p:spPr>
-          <a:xfrm>
-            <a:off x="7756168" y="3210807"/>
-            <a:ext cx="14929" cy="1919881"/>
+          <a:xfrm flipH="1">
+            <a:off x="5120368" y="3879620"/>
+            <a:ext cx="5264605" cy="14335"/>
           </a:xfrm>
           <a:prstGeom prst="line">
             <a:avLst/>
@@ -11227,66 +11287,6 @@
           </a:p>
         </p:txBody>
       </p:sp>
-      <p:pic>
-        <p:nvPicPr>
-          <p:cNvPr id="3" name="Picture 2" descr="A picture containing clock&#10;&#10;Description automatically generated">
-            <a:extLst>
-              <a:ext uri="{FF2B5EF4-FFF2-40B4-BE49-F238E27FC236}">
-                <a16:creationId xmlns:a16="http://schemas.microsoft.com/office/drawing/2014/main" id="{AEF4D28B-E846-4B78-8AF3-A5132F5FEC00}"/>
-              </a:ext>
-            </a:extLst>
-          </p:cNvPr>
-          <p:cNvPicPr>
-            <a:picLocks noChangeAspect="1"/>
-          </p:cNvPicPr>
-          <p:nvPr/>
-        </p:nvPicPr>
-        <p:blipFill>
-          <a:blip r:embed="rId9"/>
-          <a:stretch>
-            <a:fillRect/>
-          </a:stretch>
-        </p:blipFill>
-        <p:spPr>
-          <a:xfrm>
-            <a:off x="5899242" y="3930650"/>
-            <a:ext cx="3655336" cy="1789316"/>
-          </a:xfrm>
-          <a:prstGeom prst="rect">
-            <a:avLst/>
-          </a:prstGeom>
-        </p:spPr>
-      </p:pic>
-      <p:pic>
-        <p:nvPicPr>
-          <p:cNvPr id="9" name="Picture 8" descr="A picture containing object, clock, monitor, large&#10;&#10;Description automatically generated">
-            <a:extLst>
-              <a:ext uri="{FF2B5EF4-FFF2-40B4-BE49-F238E27FC236}">
-                <a16:creationId xmlns:a16="http://schemas.microsoft.com/office/drawing/2014/main" id="{ECA20634-4CA1-4E12-9D7B-AD1427DEBF8D}"/>
-              </a:ext>
-            </a:extLst>
-          </p:cNvPr>
-          <p:cNvPicPr>
-            <a:picLocks noChangeAspect="1"/>
-          </p:cNvPicPr>
-          <p:nvPr/>
-        </p:nvPicPr>
-        <p:blipFill>
-          <a:blip r:embed="rId10"/>
-          <a:stretch>
-            <a:fillRect/>
-          </a:stretch>
-        </p:blipFill>
-        <p:spPr>
-          <a:xfrm>
-            <a:off x="5105238" y="2478136"/>
-            <a:ext cx="5243344" cy="1509636"/>
-          </a:xfrm>
-          <a:prstGeom prst="rect">
-            <a:avLst/>
-          </a:prstGeom>
-        </p:spPr>
-      </p:pic>
     </p:spTree>
   </p:cSld>
   <p:clrMapOvr>

--- a/USE THIS ONE AdversarialBiasPoster.pptx
+++ b/USE THIS ONE AdversarialBiasPoster.pptx
@@ -3816,8 +3816,8 @@
         </p:blipFill>
         <p:spPr>
           <a:xfrm>
-            <a:off x="6070027" y="3963308"/>
-            <a:ext cx="3182990" cy="1789316"/>
+            <a:off x="6249879" y="3963308"/>
+            <a:ext cx="3089429" cy="1789316"/>
           </a:xfrm>
           <a:prstGeom prst="rect">
             <a:avLst/>
@@ -4771,53 +4771,6 @@
           </a:graphicData>
         </a:graphic>
       </p:graphicFrame>
-      <p:cxnSp>
-        <p:nvCxnSpPr>
-          <p:cNvPr id="10" name="Straight Arrow Connector 9">
-            <a:extLst>
-              <a:ext uri="{FF2B5EF4-FFF2-40B4-BE49-F238E27FC236}">
-                <a16:creationId xmlns:a16="http://schemas.microsoft.com/office/drawing/2014/main" id="{BEC7C748-B4E4-4F2F-AC23-0E6B7973A61E}"/>
-              </a:ext>
-            </a:extLst>
-          </p:cNvPr>
-          <p:cNvCxnSpPr>
-            <a:cxnSpLocks/>
-          </p:cNvCxnSpPr>
-          <p:nvPr/>
-        </p:nvCxnSpPr>
-        <p:spPr bwMode="auto">
-          <a:xfrm>
-            <a:off x="7764462" y="1660296"/>
-            <a:ext cx="0" cy="8400598"/>
-          </a:xfrm>
-          <a:prstGeom prst="straightConnector1">
-            <a:avLst/>
-          </a:prstGeom>
-          <a:ln w="19050" cap="flat" cmpd="dbl" algn="ctr">
-            <a:solidFill>
-              <a:srgbClr val="FF0000"/>
-            </a:solidFill>
-            <a:prstDash val="solid"/>
-            <a:round/>
-            <a:headEnd type="arrow" w="med" len="med"/>
-            <a:tailEnd type="arrow" w="med" len="med"/>
-          </a:ln>
-        </p:spPr>
-        <p:style>
-          <a:lnRef idx="0">
-            <a:scrgbClr r="0" g="0" b="0"/>
-          </a:lnRef>
-          <a:fillRef idx="0">
-            <a:scrgbClr r="0" g="0" b="0"/>
-          </a:fillRef>
-          <a:effectRef idx="0">
-            <a:scrgbClr r="0" g="0" b="0"/>
-          </a:effectRef>
-          <a:fontRef idx="minor">
-            <a:schemeClr val="tx1"/>
-          </a:fontRef>
-        </p:style>
-      </p:cxnSp>
       <p:sp>
         <p:nvSpPr>
           <p:cNvPr id="5122" name="Rectangle 463">
@@ -5074,7 +5027,7 @@
           <a:graphicData uri="http://schemas.openxmlformats.org/presentationml/2006/ole">
             <mc:AlternateContent xmlns:mc="http://schemas.openxmlformats.org/markup-compatibility/2006">
               <mc:Choice xmlns:v="urn:schemas-microsoft-com:vml" Requires="v">
-                <p:oleObj spid="_x0000_s5180" name="Clip" r:id="rId7" imgW="20457143" imgH="13384127" progId="MS_ClipArt_Gallery.2">
+                <p:oleObj spid="_x0000_s5182" name="Clip" r:id="rId7" imgW="20457143" imgH="13384127" progId="MS_ClipArt_Gallery.2">
                   <p:embed/>
                 </p:oleObj>
               </mc:Choice>
@@ -11045,248 +10998,6 @@
           </a:graphicData>
         </a:graphic>
       </p:graphicFrame>
-      <p:sp>
-        <p:nvSpPr>
-          <p:cNvPr id="8" name="TextBox 7">
-            <a:extLst>
-              <a:ext uri="{FF2B5EF4-FFF2-40B4-BE49-F238E27FC236}">
-                <a16:creationId xmlns:a16="http://schemas.microsoft.com/office/drawing/2014/main" id="{AF473C69-83BC-43B7-AAB0-7B3A37DA5F9E}"/>
-              </a:ext>
-            </a:extLst>
-          </p:cNvPr>
-          <p:cNvSpPr txBox="1"/>
-          <p:nvPr/>
-        </p:nvSpPr>
-        <p:spPr>
-          <a:xfrm>
-            <a:off x="13913224" y="2626032"/>
-            <a:ext cx="1137863" cy="1169551"/>
-          </a:xfrm>
-          <a:prstGeom prst="rect">
-            <a:avLst/>
-          </a:prstGeom>
-          <a:noFill/>
-        </p:spPr>
-        <p:txBody>
-          <a:bodyPr wrap="square" rtlCol="0">
-            <a:spAutoFit/>
-          </a:bodyPr>
-          <a:lstStyle/>
-          <a:p>
-            <a:pPr algn="r"/>
-            <a:r>
-              <a:rPr lang="en-US" dirty="0">
-                <a:solidFill>
-                  <a:srgbClr val="993300"/>
-                </a:solidFill>
-                <a:latin typeface="+mj-lt"/>
-              </a:rPr>
-              <a:t>Note:</a:t>
-            </a:r>
-          </a:p>
-          <a:p>
-            <a:pPr algn="r"/>
-            <a:r>
-              <a:rPr lang="en-US" dirty="0">
-                <a:solidFill>
-                  <a:srgbClr val="993300"/>
-                </a:solidFill>
-                <a:latin typeface="+mj-lt"/>
-              </a:rPr>
-              <a:t>Include something about loss f()</a:t>
-            </a:r>
-          </a:p>
-        </p:txBody>
-      </p:sp>
-      <p:cxnSp>
-        <p:nvCxnSpPr>
-          <p:cNvPr id="53" name="Straight Arrow Connector 52">
-            <a:extLst>
-              <a:ext uri="{FF2B5EF4-FFF2-40B4-BE49-F238E27FC236}">
-                <a16:creationId xmlns:a16="http://schemas.microsoft.com/office/drawing/2014/main" id="{8D6A22E0-9CC2-4265-8801-35650E77A235}"/>
-              </a:ext>
-            </a:extLst>
-          </p:cNvPr>
-          <p:cNvCxnSpPr>
-            <a:cxnSpLocks/>
-          </p:cNvCxnSpPr>
-          <p:nvPr/>
-        </p:nvCxnSpPr>
-        <p:spPr bwMode="auto">
-          <a:xfrm rot="5400000" flipH="1">
-            <a:off x="10652004" y="-6034863"/>
-            <a:ext cx="0" cy="23774400"/>
-          </a:xfrm>
-          <a:prstGeom prst="straightConnector1">
-            <a:avLst/>
-          </a:prstGeom>
-          <a:ln w="19050" cap="flat" cmpd="dbl" algn="ctr">
-            <a:solidFill>
-              <a:srgbClr val="FF0000"/>
-            </a:solidFill>
-            <a:prstDash val="solid"/>
-            <a:round/>
-            <a:headEnd type="arrow" w="med" len="med"/>
-            <a:tailEnd type="arrow" w="med" len="med"/>
-          </a:ln>
-        </p:spPr>
-        <p:style>
-          <a:lnRef idx="0">
-            <a:scrgbClr r="0" g="0" b="0"/>
-          </a:lnRef>
-          <a:fillRef idx="0">
-            <a:scrgbClr r="0" g="0" b="0"/>
-          </a:fillRef>
-          <a:effectRef idx="0">
-            <a:scrgbClr r="0" g="0" b="0"/>
-          </a:effectRef>
-          <a:fontRef idx="minor">
-            <a:schemeClr val="tx1"/>
-          </a:fontRef>
-        </p:style>
-      </p:cxnSp>
-      <p:sp>
-        <p:nvSpPr>
-          <p:cNvPr id="14" name="Rectangle 13">
-            <a:extLst>
-              <a:ext uri="{FF2B5EF4-FFF2-40B4-BE49-F238E27FC236}">
-                <a16:creationId xmlns:a16="http://schemas.microsoft.com/office/drawing/2014/main" id="{839A0769-AA1B-4D55-A244-16E374BEF27F}"/>
-              </a:ext>
-            </a:extLst>
-          </p:cNvPr>
-          <p:cNvSpPr/>
-          <p:nvPr/>
-        </p:nvSpPr>
-        <p:spPr bwMode="auto">
-          <a:xfrm>
-            <a:off x="15188792" y="1623305"/>
-            <a:ext cx="91440" cy="4197096"/>
-          </a:xfrm>
-          <a:prstGeom prst="rect">
-            <a:avLst/>
-          </a:prstGeom>
-          <a:solidFill>
-            <a:schemeClr val="accent1"/>
-          </a:solidFill>
-          <a:ln w="12700" cap="flat" cmpd="sng" algn="ctr">
-            <a:solidFill>
-              <a:schemeClr val="tx1"/>
-            </a:solidFill>
-            <a:prstDash val="solid"/>
-            <a:round/>
-            <a:headEnd type="none" w="sm" len="sm"/>
-            <a:tailEnd type="none" w="sm" len="sm"/>
-          </a:ln>
-          <a:effectLst/>
-        </p:spPr>
-        <p:txBody>
-          <a:bodyPr vert="horz" wrap="square" lIns="91440" tIns="45720" rIns="91440" bIns="45720" numCol="1" rtlCol="0" anchor="t" anchorCtr="0" compatLnSpc="1">
-            <a:prstTxWarp prst="textNoShape">
-              <a:avLst/>
-            </a:prstTxWarp>
-          </a:bodyPr>
-          <a:lstStyle/>
-          <a:p>
-            <a:pPr marL="0" marR="0" indent="0" algn="l" defTabSz="914400" rtl="0" eaLnBrk="1" fontAlgn="base" latinLnBrk="0" hangingPunct="1">
-              <a:lnSpc>
-                <a:spcPct val="100000"/>
-              </a:lnSpc>
-              <a:spcBef>
-                <a:spcPct val="0"/>
-              </a:spcBef>
-              <a:spcAft>
-                <a:spcPct val="0"/>
-              </a:spcAft>
-              <a:buClrTx/>
-              <a:buSzTx/>
-              <a:buFontTx/>
-              <a:buNone/>
-              <a:tabLst/>
-            </a:pPr>
-            <a:endParaRPr kumimoji="0" lang="en-US" sz="1400" b="0" i="0" u="none" strike="noStrike" cap="none" normalizeH="0" baseline="0" dirty="0">
-              <a:ln>
-                <a:noFill/>
-              </a:ln>
-              <a:solidFill>
-                <a:schemeClr val="tx1"/>
-              </a:solidFill>
-              <a:effectLst/>
-              <a:latin typeface="Times New Roman" pitchFamily="-65" charset="0"/>
-            </a:endParaRPr>
-          </a:p>
-        </p:txBody>
-      </p:sp>
-      <p:sp>
-        <p:nvSpPr>
-          <p:cNvPr id="57" name="Rectangle 56">
-            <a:extLst>
-              <a:ext uri="{FF2B5EF4-FFF2-40B4-BE49-F238E27FC236}">
-                <a16:creationId xmlns:a16="http://schemas.microsoft.com/office/drawing/2014/main" id="{F75AA8E2-6D6A-4277-A481-A8D6A06A94EF}"/>
-              </a:ext>
-            </a:extLst>
-          </p:cNvPr>
-          <p:cNvSpPr/>
-          <p:nvPr/>
-        </p:nvSpPr>
-        <p:spPr bwMode="auto">
-          <a:xfrm rot="5400000">
-            <a:off x="11633824" y="6014402"/>
-            <a:ext cx="49529" cy="7772400"/>
-          </a:xfrm>
-          <a:prstGeom prst="rect">
-            <a:avLst/>
-          </a:prstGeom>
-          <a:solidFill>
-            <a:schemeClr val="accent1"/>
-          </a:solidFill>
-          <a:ln w="12700" cap="flat" cmpd="sng" algn="ctr">
-            <a:solidFill>
-              <a:schemeClr val="tx1"/>
-            </a:solidFill>
-            <a:prstDash val="solid"/>
-            <a:round/>
-            <a:headEnd type="none" w="sm" len="sm"/>
-            <a:tailEnd type="none" w="sm" len="sm"/>
-          </a:ln>
-          <a:effectLst/>
-        </p:spPr>
-        <p:txBody>
-          <a:bodyPr vert="horz" wrap="square" lIns="91440" tIns="45720" rIns="91440" bIns="45720" numCol="1" rtlCol="0" anchor="t" anchorCtr="0" compatLnSpc="1">
-            <a:prstTxWarp prst="textNoShape">
-              <a:avLst/>
-            </a:prstTxWarp>
-          </a:bodyPr>
-          <a:lstStyle/>
-          <a:p>
-            <a:pPr marL="0" marR="0" indent="0" algn="l" defTabSz="914400" rtl="0" eaLnBrk="1" fontAlgn="base" latinLnBrk="0" hangingPunct="1">
-              <a:lnSpc>
-                <a:spcPct val="100000"/>
-              </a:lnSpc>
-              <a:spcBef>
-                <a:spcPct val="0"/>
-              </a:spcBef>
-              <a:spcAft>
-                <a:spcPct val="0"/>
-              </a:spcAft>
-              <a:buClrTx/>
-              <a:buSzTx/>
-              <a:buFontTx/>
-              <a:buNone/>
-              <a:tabLst/>
-            </a:pPr>
-            <a:endParaRPr kumimoji="0" lang="en-US" sz="1400" b="0" i="0" u="none" strike="noStrike" cap="none" normalizeH="0" baseline="0" dirty="0">
-              <a:ln>
-                <a:noFill/>
-              </a:ln>
-              <a:solidFill>
-                <a:schemeClr val="tx1"/>
-              </a:solidFill>
-              <a:effectLst/>
-              <a:latin typeface="Times New Roman" pitchFamily="-65" charset="0"/>
-            </a:endParaRPr>
-          </a:p>
-        </p:txBody>
-      </p:sp>
     </p:spTree>
   </p:cSld>
   <p:clrMapOvr>
